--- a/assets/png/2lnn/2LNN.pptx
+++ b/assets/png/2lnn/2LNN.pptx
@@ -259,7 +259,7 @@
           <a:p>
             <a:fld id="{7DC04BFE-5FA1-49D9-8CE4-2DD1C30E97EF}" type="datetimeFigureOut">
               <a:rPr lang="en-US" smtClean="0"/>
-              <a:t>11/10/2019</a:t>
+              <a:t>11/16/2019</a:t>
             </a:fld>
             <a:endParaRPr lang="en-US"/>
           </a:p>
@@ -457,7 +457,7 @@
           <a:p>
             <a:fld id="{7DC04BFE-5FA1-49D9-8CE4-2DD1C30E97EF}" type="datetimeFigureOut">
               <a:rPr lang="en-US" smtClean="0"/>
-              <a:t>11/10/2019</a:t>
+              <a:t>11/16/2019</a:t>
             </a:fld>
             <a:endParaRPr lang="en-US"/>
           </a:p>
@@ -665,7 +665,7 @@
           <a:p>
             <a:fld id="{7DC04BFE-5FA1-49D9-8CE4-2DD1C30E97EF}" type="datetimeFigureOut">
               <a:rPr lang="en-US" smtClean="0"/>
-              <a:t>11/10/2019</a:t>
+              <a:t>11/16/2019</a:t>
             </a:fld>
             <a:endParaRPr lang="en-US"/>
           </a:p>
@@ -863,7 +863,7 @@
           <a:p>
             <a:fld id="{7DC04BFE-5FA1-49D9-8CE4-2DD1C30E97EF}" type="datetimeFigureOut">
               <a:rPr lang="en-US" smtClean="0"/>
-              <a:t>11/10/2019</a:t>
+              <a:t>11/16/2019</a:t>
             </a:fld>
             <a:endParaRPr lang="en-US"/>
           </a:p>
@@ -1138,7 +1138,7 @@
           <a:p>
             <a:fld id="{7DC04BFE-5FA1-49D9-8CE4-2DD1C30E97EF}" type="datetimeFigureOut">
               <a:rPr lang="en-US" smtClean="0"/>
-              <a:t>11/10/2019</a:t>
+              <a:t>11/16/2019</a:t>
             </a:fld>
             <a:endParaRPr lang="en-US"/>
           </a:p>
@@ -1403,7 +1403,7 @@
           <a:p>
             <a:fld id="{7DC04BFE-5FA1-49D9-8CE4-2DD1C30E97EF}" type="datetimeFigureOut">
               <a:rPr lang="en-US" smtClean="0"/>
-              <a:t>11/10/2019</a:t>
+              <a:t>11/16/2019</a:t>
             </a:fld>
             <a:endParaRPr lang="en-US"/>
           </a:p>
@@ -1815,7 +1815,7 @@
           <a:p>
             <a:fld id="{7DC04BFE-5FA1-49D9-8CE4-2DD1C30E97EF}" type="datetimeFigureOut">
               <a:rPr lang="en-US" smtClean="0"/>
-              <a:t>11/10/2019</a:t>
+              <a:t>11/16/2019</a:t>
             </a:fld>
             <a:endParaRPr lang="en-US"/>
           </a:p>
@@ -1956,7 +1956,7 @@
           <a:p>
             <a:fld id="{7DC04BFE-5FA1-49D9-8CE4-2DD1C30E97EF}" type="datetimeFigureOut">
               <a:rPr lang="en-US" smtClean="0"/>
-              <a:t>11/10/2019</a:t>
+              <a:t>11/16/2019</a:t>
             </a:fld>
             <a:endParaRPr lang="en-US"/>
           </a:p>
@@ -2069,7 +2069,7 @@
           <a:p>
             <a:fld id="{7DC04BFE-5FA1-49D9-8CE4-2DD1C30E97EF}" type="datetimeFigureOut">
               <a:rPr lang="en-US" smtClean="0"/>
-              <a:t>11/10/2019</a:t>
+              <a:t>11/16/2019</a:t>
             </a:fld>
             <a:endParaRPr lang="en-US"/>
           </a:p>
@@ -2380,7 +2380,7 @@
           <a:p>
             <a:fld id="{7DC04BFE-5FA1-49D9-8CE4-2DD1C30E97EF}" type="datetimeFigureOut">
               <a:rPr lang="en-US" smtClean="0"/>
-              <a:t>11/10/2019</a:t>
+              <a:t>11/16/2019</a:t>
             </a:fld>
             <a:endParaRPr lang="en-US"/>
           </a:p>
@@ -2668,7 +2668,7 @@
           <a:p>
             <a:fld id="{7DC04BFE-5FA1-49D9-8CE4-2DD1C30E97EF}" type="datetimeFigureOut">
               <a:rPr lang="en-US" smtClean="0"/>
-              <a:t>11/10/2019</a:t>
+              <a:t>11/16/2019</a:t>
             </a:fld>
             <a:endParaRPr lang="en-US"/>
           </a:p>
@@ -2909,7 +2909,7 @@
           <a:p>
             <a:fld id="{7DC04BFE-5FA1-49D9-8CE4-2DD1C30E97EF}" type="datetimeFigureOut">
               <a:rPr lang="en-US" smtClean="0"/>
-              <a:t>11/10/2019</a:t>
+              <a:t>11/16/2019</a:t>
             </a:fld>
             <a:endParaRPr lang="en-US"/>
           </a:p>
@@ -4031,7 +4031,7 @@
             <a:pPr algn="ctr"/>
             <a:r>
               <a:rPr lang="en-US" b="1" i="1" dirty="0"/>
-              <a:t>[N X 100]</a:t>
+              <a:t>[3073 X 100]</a:t>
             </a:r>
             <a:endParaRPr lang="en-US" b="1" dirty="0"/>
           </a:p>
